--- a/ppt 16-9/0203.大喜信息.pptx
+++ b/ppt 16-9/0203.大喜信息.pptx
@@ -129,7 +129,7 @@
           <p:cNvPr id="2" name="标题 1">
             <a:extLst>
               <a:ext uri="{FF2B5EF4-FFF2-40B4-BE49-F238E27FC236}">
-                <a16:creationId xmlns:a16="http://schemas.microsoft.com/office/drawing/2014/main" id="{709DD74E-AFDA-88CF-0B0C-FC9A0B6BD724}"/>
+                <a16:creationId xmlns:a16="http://schemas.microsoft.com/office/drawing/2014/main" id="{5E82CA18-9A1F-B40C-3327-75AEA620DFAC}"/>
               </a:ext>
             </a:extLst>
           </p:cNvPr>
@@ -166,7 +166,7 @@
           <p:cNvPr id="3" name="副标题 2">
             <a:extLst>
               <a:ext uri="{FF2B5EF4-FFF2-40B4-BE49-F238E27FC236}">
-                <a16:creationId xmlns:a16="http://schemas.microsoft.com/office/drawing/2014/main" id="{A7F109B3-B952-A37E-EA33-CCFE133BC58C}"/>
+                <a16:creationId xmlns:a16="http://schemas.microsoft.com/office/drawing/2014/main" id="{2D45EE4F-4B4A-2C0C-A0BA-E95B4A5E736A}"/>
               </a:ext>
             </a:extLst>
           </p:cNvPr>
@@ -236,7 +236,7 @@
           <p:cNvPr id="4" name="日期占位符 3">
             <a:extLst>
               <a:ext uri="{FF2B5EF4-FFF2-40B4-BE49-F238E27FC236}">
-                <a16:creationId xmlns:a16="http://schemas.microsoft.com/office/drawing/2014/main" id="{C807C386-C7DD-85A8-86C3-3B903A87A97C}"/>
+                <a16:creationId xmlns:a16="http://schemas.microsoft.com/office/drawing/2014/main" id="{05B0C1D0-7D49-6691-7506-C2AA9148B230}"/>
               </a:ext>
             </a:extLst>
           </p:cNvPr>
@@ -252,7 +252,7 @@
           <a:bodyPr/>
           <a:lstStyle/>
           <a:p>
-            <a:fld id="{D4366D1A-5D87-4E7F-BBAD-449522AD4266}" type="datetimeFigureOut">
+            <a:fld id="{D9EFED56-6FBB-41A1-986D-BFF5425B5236}" type="datetimeFigureOut">
               <a:rPr lang="zh-CN" altLang="en-US" smtClean="0"/>
               <a:t>2024/3/10</a:t>
             </a:fld>
@@ -265,7 +265,7 @@
           <p:cNvPr id="5" name="页脚占位符 4">
             <a:extLst>
               <a:ext uri="{FF2B5EF4-FFF2-40B4-BE49-F238E27FC236}">
-                <a16:creationId xmlns:a16="http://schemas.microsoft.com/office/drawing/2014/main" id="{7E1EC516-E62E-A46F-FD52-E665A36D7752}"/>
+                <a16:creationId xmlns:a16="http://schemas.microsoft.com/office/drawing/2014/main" id="{520C1C25-7755-4835-B7CE-C88E65C2AD53}"/>
               </a:ext>
             </a:extLst>
           </p:cNvPr>
@@ -290,7 +290,7 @@
           <p:cNvPr id="6" name="灯片编号占位符 5">
             <a:extLst>
               <a:ext uri="{FF2B5EF4-FFF2-40B4-BE49-F238E27FC236}">
-                <a16:creationId xmlns:a16="http://schemas.microsoft.com/office/drawing/2014/main" id="{C76D81F2-308F-5CD5-2360-C975BEA3F859}"/>
+                <a16:creationId xmlns:a16="http://schemas.microsoft.com/office/drawing/2014/main" id="{0252D672-9DA0-38BC-DC95-E8F70A944E2E}"/>
               </a:ext>
             </a:extLst>
           </p:cNvPr>
@@ -306,7 +306,7 @@
           <a:bodyPr/>
           <a:lstStyle/>
           <a:p>
-            <a:fld id="{2F1ACC75-03E0-4A19-9F17-407521215C6D}" type="slidenum">
+            <a:fld id="{5F01DC34-F3B8-4406-BC4E-E0C3B18F7A0D}" type="slidenum">
               <a:rPr lang="zh-CN" altLang="en-US" smtClean="0"/>
               <a:t>‹#›</a:t>
             </a:fld>
@@ -317,7 +317,7 @@
     </p:spTree>
     <p:extLst>
       <p:ext uri="{BB962C8B-B14F-4D97-AF65-F5344CB8AC3E}">
-        <p14:creationId xmlns:p14="http://schemas.microsoft.com/office/powerpoint/2010/main" val="2321820116"/>
+        <p14:creationId xmlns:p14="http://schemas.microsoft.com/office/powerpoint/2010/main" val="2832258721"/>
       </p:ext>
     </p:extLst>
   </p:cSld>
@@ -349,7 +349,7 @@
           <p:cNvPr id="2" name="标题 1">
             <a:extLst>
               <a:ext uri="{FF2B5EF4-FFF2-40B4-BE49-F238E27FC236}">
-                <a16:creationId xmlns:a16="http://schemas.microsoft.com/office/drawing/2014/main" id="{3C5BC9A0-13CE-D3A7-7807-02DCF04C79AB}"/>
+                <a16:creationId xmlns:a16="http://schemas.microsoft.com/office/drawing/2014/main" id="{CBB02AF3-137F-B083-B3CB-F7C30169C96C}"/>
               </a:ext>
             </a:extLst>
           </p:cNvPr>
@@ -377,7 +377,7 @@
           <p:cNvPr id="3" name="竖排文字占位符 2">
             <a:extLst>
               <a:ext uri="{FF2B5EF4-FFF2-40B4-BE49-F238E27FC236}">
-                <a16:creationId xmlns:a16="http://schemas.microsoft.com/office/drawing/2014/main" id="{8D40745B-3429-8C80-4842-198F9BCA4715}"/>
+                <a16:creationId xmlns:a16="http://schemas.microsoft.com/office/drawing/2014/main" id="{980D9EA4-CF49-A6A0-72F2-0A79A5DFA7EC}"/>
               </a:ext>
             </a:extLst>
           </p:cNvPr>
@@ -434,7 +434,7 @@
           <p:cNvPr id="4" name="日期占位符 3">
             <a:extLst>
               <a:ext uri="{FF2B5EF4-FFF2-40B4-BE49-F238E27FC236}">
-                <a16:creationId xmlns:a16="http://schemas.microsoft.com/office/drawing/2014/main" id="{185FFFD5-0B9E-55DC-2BB9-72BB69135C23}"/>
+                <a16:creationId xmlns:a16="http://schemas.microsoft.com/office/drawing/2014/main" id="{5E99525B-D22F-1503-6F21-5BCB90F8D47C}"/>
               </a:ext>
             </a:extLst>
           </p:cNvPr>
@@ -450,7 +450,7 @@
           <a:bodyPr/>
           <a:lstStyle/>
           <a:p>
-            <a:fld id="{D4366D1A-5D87-4E7F-BBAD-449522AD4266}" type="datetimeFigureOut">
+            <a:fld id="{D9EFED56-6FBB-41A1-986D-BFF5425B5236}" type="datetimeFigureOut">
               <a:rPr lang="zh-CN" altLang="en-US" smtClean="0"/>
               <a:t>2024/3/10</a:t>
             </a:fld>
@@ -463,7 +463,7 @@
           <p:cNvPr id="5" name="页脚占位符 4">
             <a:extLst>
               <a:ext uri="{FF2B5EF4-FFF2-40B4-BE49-F238E27FC236}">
-                <a16:creationId xmlns:a16="http://schemas.microsoft.com/office/drawing/2014/main" id="{92F65731-28A8-4A61-0A6D-FF6540BD35DD}"/>
+                <a16:creationId xmlns:a16="http://schemas.microsoft.com/office/drawing/2014/main" id="{C4515480-43D6-B18E-BCE6-EA29763B9796}"/>
               </a:ext>
             </a:extLst>
           </p:cNvPr>
@@ -488,7 +488,7 @@
           <p:cNvPr id="6" name="灯片编号占位符 5">
             <a:extLst>
               <a:ext uri="{FF2B5EF4-FFF2-40B4-BE49-F238E27FC236}">
-                <a16:creationId xmlns:a16="http://schemas.microsoft.com/office/drawing/2014/main" id="{A8D38E7B-E5BA-9B7A-D232-D5813634E990}"/>
+                <a16:creationId xmlns:a16="http://schemas.microsoft.com/office/drawing/2014/main" id="{E7BC940A-2561-5522-CC6E-425E0681F644}"/>
               </a:ext>
             </a:extLst>
           </p:cNvPr>
@@ -504,7 +504,7 @@
           <a:bodyPr/>
           <a:lstStyle/>
           <a:p>
-            <a:fld id="{2F1ACC75-03E0-4A19-9F17-407521215C6D}" type="slidenum">
+            <a:fld id="{5F01DC34-F3B8-4406-BC4E-E0C3B18F7A0D}" type="slidenum">
               <a:rPr lang="zh-CN" altLang="en-US" smtClean="0"/>
               <a:t>‹#›</a:t>
             </a:fld>
@@ -515,7 +515,7 @@
     </p:spTree>
     <p:extLst>
       <p:ext uri="{BB962C8B-B14F-4D97-AF65-F5344CB8AC3E}">
-        <p14:creationId xmlns:p14="http://schemas.microsoft.com/office/powerpoint/2010/main" val="1334796682"/>
+        <p14:creationId xmlns:p14="http://schemas.microsoft.com/office/powerpoint/2010/main" val="3559305452"/>
       </p:ext>
     </p:extLst>
   </p:cSld>
@@ -547,7 +547,7 @@
           <p:cNvPr id="2" name="竖排标题 1">
             <a:extLst>
               <a:ext uri="{FF2B5EF4-FFF2-40B4-BE49-F238E27FC236}">
-                <a16:creationId xmlns:a16="http://schemas.microsoft.com/office/drawing/2014/main" id="{EDE2FB13-708F-B145-905A-23F2ACE39241}"/>
+                <a16:creationId xmlns:a16="http://schemas.microsoft.com/office/drawing/2014/main" id="{B6A13A28-D32D-469E-64DE-F4293BAC3C7D}"/>
               </a:ext>
             </a:extLst>
           </p:cNvPr>
@@ -580,7 +580,7 @@
           <p:cNvPr id="3" name="竖排文字占位符 2">
             <a:extLst>
               <a:ext uri="{FF2B5EF4-FFF2-40B4-BE49-F238E27FC236}">
-                <a16:creationId xmlns:a16="http://schemas.microsoft.com/office/drawing/2014/main" id="{2E70B0F9-4A34-92C9-825B-A8959CF3DBC2}"/>
+                <a16:creationId xmlns:a16="http://schemas.microsoft.com/office/drawing/2014/main" id="{E211EEF6-0D0C-E84F-7904-6F67E97AC62F}"/>
               </a:ext>
             </a:extLst>
           </p:cNvPr>
@@ -642,7 +642,7 @@
           <p:cNvPr id="4" name="日期占位符 3">
             <a:extLst>
               <a:ext uri="{FF2B5EF4-FFF2-40B4-BE49-F238E27FC236}">
-                <a16:creationId xmlns:a16="http://schemas.microsoft.com/office/drawing/2014/main" id="{4A31546C-B831-870A-5AE9-ABD2EE3785D0}"/>
+                <a16:creationId xmlns:a16="http://schemas.microsoft.com/office/drawing/2014/main" id="{D49DB991-524D-0EF8-EAB9-8520A90BF0C5}"/>
               </a:ext>
             </a:extLst>
           </p:cNvPr>
@@ -658,7 +658,7 @@
           <a:bodyPr/>
           <a:lstStyle/>
           <a:p>
-            <a:fld id="{D4366D1A-5D87-4E7F-BBAD-449522AD4266}" type="datetimeFigureOut">
+            <a:fld id="{D9EFED56-6FBB-41A1-986D-BFF5425B5236}" type="datetimeFigureOut">
               <a:rPr lang="zh-CN" altLang="en-US" smtClean="0"/>
               <a:t>2024/3/10</a:t>
             </a:fld>
@@ -671,7 +671,7 @@
           <p:cNvPr id="5" name="页脚占位符 4">
             <a:extLst>
               <a:ext uri="{FF2B5EF4-FFF2-40B4-BE49-F238E27FC236}">
-                <a16:creationId xmlns:a16="http://schemas.microsoft.com/office/drawing/2014/main" id="{41181D7E-EF1B-6B3E-FDA4-ACDF4ED878DC}"/>
+                <a16:creationId xmlns:a16="http://schemas.microsoft.com/office/drawing/2014/main" id="{B18F5806-0458-13DE-57C4-4C7DFABBFFB2}"/>
               </a:ext>
             </a:extLst>
           </p:cNvPr>
@@ -696,7 +696,7 @@
           <p:cNvPr id="6" name="灯片编号占位符 5">
             <a:extLst>
               <a:ext uri="{FF2B5EF4-FFF2-40B4-BE49-F238E27FC236}">
-                <a16:creationId xmlns:a16="http://schemas.microsoft.com/office/drawing/2014/main" id="{196CB814-3604-AB41-1892-859DAD31C310}"/>
+                <a16:creationId xmlns:a16="http://schemas.microsoft.com/office/drawing/2014/main" id="{5123C0DC-C811-20C9-6EAA-B68CD9435B2C}"/>
               </a:ext>
             </a:extLst>
           </p:cNvPr>
@@ -712,7 +712,7 @@
           <a:bodyPr/>
           <a:lstStyle/>
           <a:p>
-            <a:fld id="{2F1ACC75-03E0-4A19-9F17-407521215C6D}" type="slidenum">
+            <a:fld id="{5F01DC34-F3B8-4406-BC4E-E0C3B18F7A0D}" type="slidenum">
               <a:rPr lang="zh-CN" altLang="en-US" smtClean="0"/>
               <a:t>‹#›</a:t>
             </a:fld>
@@ -723,7 +723,7 @@
     </p:spTree>
     <p:extLst>
       <p:ext uri="{BB962C8B-B14F-4D97-AF65-F5344CB8AC3E}">
-        <p14:creationId xmlns:p14="http://schemas.microsoft.com/office/powerpoint/2010/main" val="3250796304"/>
+        <p14:creationId xmlns:p14="http://schemas.microsoft.com/office/powerpoint/2010/main" val="845566832"/>
       </p:ext>
     </p:extLst>
   </p:cSld>
@@ -755,7 +755,7 @@
           <p:cNvPr id="2" name="标题 1">
             <a:extLst>
               <a:ext uri="{FF2B5EF4-FFF2-40B4-BE49-F238E27FC236}">
-                <a16:creationId xmlns:a16="http://schemas.microsoft.com/office/drawing/2014/main" id="{57F844A9-50BF-5CE5-4CD5-96E1AA43BFB2}"/>
+                <a16:creationId xmlns:a16="http://schemas.microsoft.com/office/drawing/2014/main" id="{ADE18CA6-C024-CEEF-CF7E-39186D3C6F83}"/>
               </a:ext>
             </a:extLst>
           </p:cNvPr>
@@ -783,7 +783,7 @@
           <p:cNvPr id="3" name="内容占位符 2">
             <a:extLst>
               <a:ext uri="{FF2B5EF4-FFF2-40B4-BE49-F238E27FC236}">
-                <a16:creationId xmlns:a16="http://schemas.microsoft.com/office/drawing/2014/main" id="{CE133BCC-01D5-2D89-EDB0-100B19086FF3}"/>
+                <a16:creationId xmlns:a16="http://schemas.microsoft.com/office/drawing/2014/main" id="{4852E6E3-29A3-8D89-B303-B255B551A00C}"/>
               </a:ext>
             </a:extLst>
           </p:cNvPr>
@@ -840,7 +840,7 @@
           <p:cNvPr id="4" name="日期占位符 3">
             <a:extLst>
               <a:ext uri="{FF2B5EF4-FFF2-40B4-BE49-F238E27FC236}">
-                <a16:creationId xmlns:a16="http://schemas.microsoft.com/office/drawing/2014/main" id="{E57C7EB4-86E9-3464-E4ED-27CE7F7ED9BF}"/>
+                <a16:creationId xmlns:a16="http://schemas.microsoft.com/office/drawing/2014/main" id="{77EAEB43-2664-0C8C-D1B2-307B50D260C4}"/>
               </a:ext>
             </a:extLst>
           </p:cNvPr>
@@ -856,7 +856,7 @@
           <a:bodyPr/>
           <a:lstStyle/>
           <a:p>
-            <a:fld id="{D4366D1A-5D87-4E7F-BBAD-449522AD4266}" type="datetimeFigureOut">
+            <a:fld id="{D9EFED56-6FBB-41A1-986D-BFF5425B5236}" type="datetimeFigureOut">
               <a:rPr lang="zh-CN" altLang="en-US" smtClean="0"/>
               <a:t>2024/3/10</a:t>
             </a:fld>
@@ -869,7 +869,7 @@
           <p:cNvPr id="5" name="页脚占位符 4">
             <a:extLst>
               <a:ext uri="{FF2B5EF4-FFF2-40B4-BE49-F238E27FC236}">
-                <a16:creationId xmlns:a16="http://schemas.microsoft.com/office/drawing/2014/main" id="{8A5CBFED-04E6-2B69-8F14-6845B7B7270D}"/>
+                <a16:creationId xmlns:a16="http://schemas.microsoft.com/office/drawing/2014/main" id="{0F0FE2EE-421B-4054-A588-49075AF6592A}"/>
               </a:ext>
             </a:extLst>
           </p:cNvPr>
@@ -894,7 +894,7 @@
           <p:cNvPr id="6" name="灯片编号占位符 5">
             <a:extLst>
               <a:ext uri="{FF2B5EF4-FFF2-40B4-BE49-F238E27FC236}">
-                <a16:creationId xmlns:a16="http://schemas.microsoft.com/office/drawing/2014/main" id="{1201FC69-4CC4-0AF4-8B34-C133BD528A5D}"/>
+                <a16:creationId xmlns:a16="http://schemas.microsoft.com/office/drawing/2014/main" id="{CFB8F965-0314-C5B6-5BBD-5CAED4BD495F}"/>
               </a:ext>
             </a:extLst>
           </p:cNvPr>
@@ -910,7 +910,7 @@
           <a:bodyPr/>
           <a:lstStyle/>
           <a:p>
-            <a:fld id="{2F1ACC75-03E0-4A19-9F17-407521215C6D}" type="slidenum">
+            <a:fld id="{5F01DC34-F3B8-4406-BC4E-E0C3B18F7A0D}" type="slidenum">
               <a:rPr lang="zh-CN" altLang="en-US" smtClean="0"/>
               <a:t>‹#›</a:t>
             </a:fld>
@@ -921,7 +921,7 @@
     </p:spTree>
     <p:extLst>
       <p:ext uri="{BB962C8B-B14F-4D97-AF65-F5344CB8AC3E}">
-        <p14:creationId xmlns:p14="http://schemas.microsoft.com/office/powerpoint/2010/main" val="1949103975"/>
+        <p14:creationId xmlns:p14="http://schemas.microsoft.com/office/powerpoint/2010/main" val="4065108630"/>
       </p:ext>
     </p:extLst>
   </p:cSld>
@@ -953,7 +953,7 @@
           <p:cNvPr id="2" name="标题 1">
             <a:extLst>
               <a:ext uri="{FF2B5EF4-FFF2-40B4-BE49-F238E27FC236}">
-                <a16:creationId xmlns:a16="http://schemas.microsoft.com/office/drawing/2014/main" id="{97EB96DE-8019-840B-1BFF-82E9C2D567E5}"/>
+                <a16:creationId xmlns:a16="http://schemas.microsoft.com/office/drawing/2014/main" id="{42F30C7D-3010-F067-3CB9-FC39ACC5C02F}"/>
               </a:ext>
             </a:extLst>
           </p:cNvPr>
@@ -990,7 +990,7 @@
           <p:cNvPr id="3" name="文本占位符 2">
             <a:extLst>
               <a:ext uri="{FF2B5EF4-FFF2-40B4-BE49-F238E27FC236}">
-                <a16:creationId xmlns:a16="http://schemas.microsoft.com/office/drawing/2014/main" id="{9ABDEBFA-6732-A544-F27A-210EE1B4779F}"/>
+                <a16:creationId xmlns:a16="http://schemas.microsoft.com/office/drawing/2014/main" id="{5289EECD-03EE-AB61-AADF-4E978710BC38}"/>
               </a:ext>
             </a:extLst>
           </p:cNvPr>
@@ -1115,7 +1115,7 @@
           <p:cNvPr id="4" name="日期占位符 3">
             <a:extLst>
               <a:ext uri="{FF2B5EF4-FFF2-40B4-BE49-F238E27FC236}">
-                <a16:creationId xmlns:a16="http://schemas.microsoft.com/office/drawing/2014/main" id="{9BD52F2E-6557-8E81-281F-7745B8B9D30A}"/>
+                <a16:creationId xmlns:a16="http://schemas.microsoft.com/office/drawing/2014/main" id="{95A28A07-5D8E-DB3F-F5D2-C4416E13730A}"/>
               </a:ext>
             </a:extLst>
           </p:cNvPr>
@@ -1131,7 +1131,7 @@
           <a:bodyPr/>
           <a:lstStyle/>
           <a:p>
-            <a:fld id="{D4366D1A-5D87-4E7F-BBAD-449522AD4266}" type="datetimeFigureOut">
+            <a:fld id="{D9EFED56-6FBB-41A1-986D-BFF5425B5236}" type="datetimeFigureOut">
               <a:rPr lang="zh-CN" altLang="en-US" smtClean="0"/>
               <a:t>2024/3/10</a:t>
             </a:fld>
@@ -1144,7 +1144,7 @@
           <p:cNvPr id="5" name="页脚占位符 4">
             <a:extLst>
               <a:ext uri="{FF2B5EF4-FFF2-40B4-BE49-F238E27FC236}">
-                <a16:creationId xmlns:a16="http://schemas.microsoft.com/office/drawing/2014/main" id="{DB2CA95E-C651-88B4-6E48-FC792E3FEE6D}"/>
+                <a16:creationId xmlns:a16="http://schemas.microsoft.com/office/drawing/2014/main" id="{41CBFD83-1BAC-F07F-3F06-8AA52DD7C651}"/>
               </a:ext>
             </a:extLst>
           </p:cNvPr>
@@ -1169,7 +1169,7 @@
           <p:cNvPr id="6" name="灯片编号占位符 5">
             <a:extLst>
               <a:ext uri="{FF2B5EF4-FFF2-40B4-BE49-F238E27FC236}">
-                <a16:creationId xmlns:a16="http://schemas.microsoft.com/office/drawing/2014/main" id="{E8E146E6-27D6-6B11-5EC9-6C6A9E1B00F5}"/>
+                <a16:creationId xmlns:a16="http://schemas.microsoft.com/office/drawing/2014/main" id="{C0626AC6-7B43-E50B-C810-B9A5D5FEEBA1}"/>
               </a:ext>
             </a:extLst>
           </p:cNvPr>
@@ -1185,7 +1185,7 @@
           <a:bodyPr/>
           <a:lstStyle/>
           <a:p>
-            <a:fld id="{2F1ACC75-03E0-4A19-9F17-407521215C6D}" type="slidenum">
+            <a:fld id="{5F01DC34-F3B8-4406-BC4E-E0C3B18F7A0D}" type="slidenum">
               <a:rPr lang="zh-CN" altLang="en-US" smtClean="0"/>
               <a:t>‹#›</a:t>
             </a:fld>
@@ -1196,7 +1196,7 @@
     </p:spTree>
     <p:extLst>
       <p:ext uri="{BB962C8B-B14F-4D97-AF65-F5344CB8AC3E}">
-        <p14:creationId xmlns:p14="http://schemas.microsoft.com/office/powerpoint/2010/main" val="2419326490"/>
+        <p14:creationId xmlns:p14="http://schemas.microsoft.com/office/powerpoint/2010/main" val="808785069"/>
       </p:ext>
     </p:extLst>
   </p:cSld>
@@ -1228,7 +1228,7 @@
           <p:cNvPr id="2" name="标题 1">
             <a:extLst>
               <a:ext uri="{FF2B5EF4-FFF2-40B4-BE49-F238E27FC236}">
-                <a16:creationId xmlns:a16="http://schemas.microsoft.com/office/drawing/2014/main" id="{5CAA5177-7A91-D07F-B84B-6A0C5355E711}"/>
+                <a16:creationId xmlns:a16="http://schemas.microsoft.com/office/drawing/2014/main" id="{BE7086E5-41A6-6BE0-0D58-A9188FEC1437}"/>
               </a:ext>
             </a:extLst>
           </p:cNvPr>
@@ -1256,7 +1256,7 @@
           <p:cNvPr id="3" name="内容占位符 2">
             <a:extLst>
               <a:ext uri="{FF2B5EF4-FFF2-40B4-BE49-F238E27FC236}">
-                <a16:creationId xmlns:a16="http://schemas.microsoft.com/office/drawing/2014/main" id="{0A8A6376-1B55-537E-FD3A-5ADF5885A12F}"/>
+                <a16:creationId xmlns:a16="http://schemas.microsoft.com/office/drawing/2014/main" id="{863AD311-A5A3-D1C7-C5D8-B805470419CA}"/>
               </a:ext>
             </a:extLst>
           </p:cNvPr>
@@ -1318,7 +1318,7 @@
           <p:cNvPr id="4" name="内容占位符 3">
             <a:extLst>
               <a:ext uri="{FF2B5EF4-FFF2-40B4-BE49-F238E27FC236}">
-                <a16:creationId xmlns:a16="http://schemas.microsoft.com/office/drawing/2014/main" id="{F5A560D4-4F36-BD28-72A3-EA81FDF2F21E}"/>
+                <a16:creationId xmlns:a16="http://schemas.microsoft.com/office/drawing/2014/main" id="{8365265F-3C8A-9470-D68F-D7AD87A60743}"/>
               </a:ext>
             </a:extLst>
           </p:cNvPr>
@@ -1380,7 +1380,7 @@
           <p:cNvPr id="5" name="日期占位符 4">
             <a:extLst>
               <a:ext uri="{FF2B5EF4-FFF2-40B4-BE49-F238E27FC236}">
-                <a16:creationId xmlns:a16="http://schemas.microsoft.com/office/drawing/2014/main" id="{39A0022F-9FA2-E064-1243-142A0489B760}"/>
+                <a16:creationId xmlns:a16="http://schemas.microsoft.com/office/drawing/2014/main" id="{EB6ADE52-1839-292C-B4B3-E3400602295B}"/>
               </a:ext>
             </a:extLst>
           </p:cNvPr>
@@ -1396,7 +1396,7 @@
           <a:bodyPr/>
           <a:lstStyle/>
           <a:p>
-            <a:fld id="{D4366D1A-5D87-4E7F-BBAD-449522AD4266}" type="datetimeFigureOut">
+            <a:fld id="{D9EFED56-6FBB-41A1-986D-BFF5425B5236}" type="datetimeFigureOut">
               <a:rPr lang="zh-CN" altLang="en-US" smtClean="0"/>
               <a:t>2024/3/10</a:t>
             </a:fld>
@@ -1409,7 +1409,7 @@
           <p:cNvPr id="6" name="页脚占位符 5">
             <a:extLst>
               <a:ext uri="{FF2B5EF4-FFF2-40B4-BE49-F238E27FC236}">
-                <a16:creationId xmlns:a16="http://schemas.microsoft.com/office/drawing/2014/main" id="{7AF73E74-BCE3-4210-13E5-01597E018A19}"/>
+                <a16:creationId xmlns:a16="http://schemas.microsoft.com/office/drawing/2014/main" id="{D516D488-1E65-3C43-A4E9-AFED0FA47AEA}"/>
               </a:ext>
             </a:extLst>
           </p:cNvPr>
@@ -1434,7 +1434,7 @@
           <p:cNvPr id="7" name="灯片编号占位符 6">
             <a:extLst>
               <a:ext uri="{FF2B5EF4-FFF2-40B4-BE49-F238E27FC236}">
-                <a16:creationId xmlns:a16="http://schemas.microsoft.com/office/drawing/2014/main" id="{10DDDC9A-BD95-2078-1C91-050A0701E107}"/>
+                <a16:creationId xmlns:a16="http://schemas.microsoft.com/office/drawing/2014/main" id="{5EC33823-B039-6093-F297-FE21245CC7C5}"/>
               </a:ext>
             </a:extLst>
           </p:cNvPr>
@@ -1450,7 +1450,7 @@
           <a:bodyPr/>
           <a:lstStyle/>
           <a:p>
-            <a:fld id="{2F1ACC75-03E0-4A19-9F17-407521215C6D}" type="slidenum">
+            <a:fld id="{5F01DC34-F3B8-4406-BC4E-E0C3B18F7A0D}" type="slidenum">
               <a:rPr lang="zh-CN" altLang="en-US" smtClean="0"/>
               <a:t>‹#›</a:t>
             </a:fld>
@@ -1461,7 +1461,7 @@
     </p:spTree>
     <p:extLst>
       <p:ext uri="{BB962C8B-B14F-4D97-AF65-F5344CB8AC3E}">
-        <p14:creationId xmlns:p14="http://schemas.microsoft.com/office/powerpoint/2010/main" val="2166988302"/>
+        <p14:creationId xmlns:p14="http://schemas.microsoft.com/office/powerpoint/2010/main" val="751759003"/>
       </p:ext>
     </p:extLst>
   </p:cSld>
@@ -1493,7 +1493,7 @@
           <p:cNvPr id="2" name="标题 1">
             <a:extLst>
               <a:ext uri="{FF2B5EF4-FFF2-40B4-BE49-F238E27FC236}">
-                <a16:creationId xmlns:a16="http://schemas.microsoft.com/office/drawing/2014/main" id="{B81D1E4B-4E81-0070-CB17-2F90CDD2D467}"/>
+                <a16:creationId xmlns:a16="http://schemas.microsoft.com/office/drawing/2014/main" id="{9788ECA3-037E-8092-5C36-4D07E48E8CCC}"/>
               </a:ext>
             </a:extLst>
           </p:cNvPr>
@@ -1526,7 +1526,7 @@
           <p:cNvPr id="3" name="文本占位符 2">
             <a:extLst>
               <a:ext uri="{FF2B5EF4-FFF2-40B4-BE49-F238E27FC236}">
-                <a16:creationId xmlns:a16="http://schemas.microsoft.com/office/drawing/2014/main" id="{EE910FD0-5F78-79B3-5BC4-BC322955A278}"/>
+                <a16:creationId xmlns:a16="http://schemas.microsoft.com/office/drawing/2014/main" id="{69B12086-9B88-F353-D53A-222D77376E14}"/>
               </a:ext>
             </a:extLst>
           </p:cNvPr>
@@ -1597,7 +1597,7 @@
           <p:cNvPr id="4" name="内容占位符 3">
             <a:extLst>
               <a:ext uri="{FF2B5EF4-FFF2-40B4-BE49-F238E27FC236}">
-                <a16:creationId xmlns:a16="http://schemas.microsoft.com/office/drawing/2014/main" id="{059E5A27-4AF2-3952-7E41-AEEC29204DFD}"/>
+                <a16:creationId xmlns:a16="http://schemas.microsoft.com/office/drawing/2014/main" id="{77DF2ABD-E0FC-B50C-138A-245BD18FC146}"/>
               </a:ext>
             </a:extLst>
           </p:cNvPr>
@@ -1659,7 +1659,7 @@
           <p:cNvPr id="5" name="文本占位符 4">
             <a:extLst>
               <a:ext uri="{FF2B5EF4-FFF2-40B4-BE49-F238E27FC236}">
-                <a16:creationId xmlns:a16="http://schemas.microsoft.com/office/drawing/2014/main" id="{7E3100A5-9859-6F29-14FC-C949CEE7061C}"/>
+                <a16:creationId xmlns:a16="http://schemas.microsoft.com/office/drawing/2014/main" id="{987A8763-A270-CB4E-1F72-17C741372088}"/>
               </a:ext>
             </a:extLst>
           </p:cNvPr>
@@ -1730,7 +1730,7 @@
           <p:cNvPr id="6" name="内容占位符 5">
             <a:extLst>
               <a:ext uri="{FF2B5EF4-FFF2-40B4-BE49-F238E27FC236}">
-                <a16:creationId xmlns:a16="http://schemas.microsoft.com/office/drawing/2014/main" id="{E0B4884F-D4D0-8077-A0F4-0329558EA0EC}"/>
+                <a16:creationId xmlns:a16="http://schemas.microsoft.com/office/drawing/2014/main" id="{C8635D6A-CD02-54C9-A6C2-D2FC743D74B2}"/>
               </a:ext>
             </a:extLst>
           </p:cNvPr>
@@ -1792,7 +1792,7 @@
           <p:cNvPr id="7" name="日期占位符 6">
             <a:extLst>
               <a:ext uri="{FF2B5EF4-FFF2-40B4-BE49-F238E27FC236}">
-                <a16:creationId xmlns:a16="http://schemas.microsoft.com/office/drawing/2014/main" id="{75EB9502-2F0F-12C0-F9C6-5B4968338D71}"/>
+                <a16:creationId xmlns:a16="http://schemas.microsoft.com/office/drawing/2014/main" id="{7680C67E-4410-F049-9718-2B8FF41A75DA}"/>
               </a:ext>
             </a:extLst>
           </p:cNvPr>
@@ -1808,7 +1808,7 @@
           <a:bodyPr/>
           <a:lstStyle/>
           <a:p>
-            <a:fld id="{D4366D1A-5D87-4E7F-BBAD-449522AD4266}" type="datetimeFigureOut">
+            <a:fld id="{D9EFED56-6FBB-41A1-986D-BFF5425B5236}" type="datetimeFigureOut">
               <a:rPr lang="zh-CN" altLang="en-US" smtClean="0"/>
               <a:t>2024/3/10</a:t>
             </a:fld>
@@ -1821,7 +1821,7 @@
           <p:cNvPr id="8" name="页脚占位符 7">
             <a:extLst>
               <a:ext uri="{FF2B5EF4-FFF2-40B4-BE49-F238E27FC236}">
-                <a16:creationId xmlns:a16="http://schemas.microsoft.com/office/drawing/2014/main" id="{564278BA-87F3-0D18-96DD-F2337F1E56EB}"/>
+                <a16:creationId xmlns:a16="http://schemas.microsoft.com/office/drawing/2014/main" id="{DF4C9DA8-0ED1-6D40-9DB4-123D3D96DE87}"/>
               </a:ext>
             </a:extLst>
           </p:cNvPr>
@@ -1846,7 +1846,7 @@
           <p:cNvPr id="9" name="灯片编号占位符 8">
             <a:extLst>
               <a:ext uri="{FF2B5EF4-FFF2-40B4-BE49-F238E27FC236}">
-                <a16:creationId xmlns:a16="http://schemas.microsoft.com/office/drawing/2014/main" id="{46E756D6-8274-EA1E-C536-B1530A418404}"/>
+                <a16:creationId xmlns:a16="http://schemas.microsoft.com/office/drawing/2014/main" id="{B726D64D-62FD-96D8-3EF6-56714026AADB}"/>
               </a:ext>
             </a:extLst>
           </p:cNvPr>
@@ -1862,7 +1862,7 @@
           <a:bodyPr/>
           <a:lstStyle/>
           <a:p>
-            <a:fld id="{2F1ACC75-03E0-4A19-9F17-407521215C6D}" type="slidenum">
+            <a:fld id="{5F01DC34-F3B8-4406-BC4E-E0C3B18F7A0D}" type="slidenum">
               <a:rPr lang="zh-CN" altLang="en-US" smtClean="0"/>
               <a:t>‹#›</a:t>
             </a:fld>
@@ -1873,7 +1873,7 @@
     </p:spTree>
     <p:extLst>
       <p:ext uri="{BB962C8B-B14F-4D97-AF65-F5344CB8AC3E}">
-        <p14:creationId xmlns:p14="http://schemas.microsoft.com/office/powerpoint/2010/main" val="2402869426"/>
+        <p14:creationId xmlns:p14="http://schemas.microsoft.com/office/powerpoint/2010/main" val="3079514267"/>
       </p:ext>
     </p:extLst>
   </p:cSld>
@@ -1905,7 +1905,7 @@
           <p:cNvPr id="2" name="标题 1">
             <a:extLst>
               <a:ext uri="{FF2B5EF4-FFF2-40B4-BE49-F238E27FC236}">
-                <a16:creationId xmlns:a16="http://schemas.microsoft.com/office/drawing/2014/main" id="{C79B4B89-3AE4-919E-4080-E53E4D0FC64F}"/>
+                <a16:creationId xmlns:a16="http://schemas.microsoft.com/office/drawing/2014/main" id="{3BDDE6BA-FEF2-433E-EAE2-7CDE3B96CEFB}"/>
               </a:ext>
             </a:extLst>
           </p:cNvPr>
@@ -1933,7 +1933,7 @@
           <p:cNvPr id="3" name="日期占位符 2">
             <a:extLst>
               <a:ext uri="{FF2B5EF4-FFF2-40B4-BE49-F238E27FC236}">
-                <a16:creationId xmlns:a16="http://schemas.microsoft.com/office/drawing/2014/main" id="{32230356-1E7A-3D7B-86CF-1390A49E33C1}"/>
+                <a16:creationId xmlns:a16="http://schemas.microsoft.com/office/drawing/2014/main" id="{8CAFEE4B-78FD-C169-CF5C-8B37E18BCEDD}"/>
               </a:ext>
             </a:extLst>
           </p:cNvPr>
@@ -1949,7 +1949,7 @@
           <a:bodyPr/>
           <a:lstStyle/>
           <a:p>
-            <a:fld id="{D4366D1A-5D87-4E7F-BBAD-449522AD4266}" type="datetimeFigureOut">
+            <a:fld id="{D9EFED56-6FBB-41A1-986D-BFF5425B5236}" type="datetimeFigureOut">
               <a:rPr lang="zh-CN" altLang="en-US" smtClean="0"/>
               <a:t>2024/3/10</a:t>
             </a:fld>
@@ -1962,7 +1962,7 @@
           <p:cNvPr id="4" name="页脚占位符 3">
             <a:extLst>
               <a:ext uri="{FF2B5EF4-FFF2-40B4-BE49-F238E27FC236}">
-                <a16:creationId xmlns:a16="http://schemas.microsoft.com/office/drawing/2014/main" id="{D0940C5C-A406-E459-06B8-86CA2EAD51F5}"/>
+                <a16:creationId xmlns:a16="http://schemas.microsoft.com/office/drawing/2014/main" id="{D6EAA117-5B63-F541-E2BF-245175E50BE8}"/>
               </a:ext>
             </a:extLst>
           </p:cNvPr>
@@ -1987,7 +1987,7 @@
           <p:cNvPr id="5" name="灯片编号占位符 4">
             <a:extLst>
               <a:ext uri="{FF2B5EF4-FFF2-40B4-BE49-F238E27FC236}">
-                <a16:creationId xmlns:a16="http://schemas.microsoft.com/office/drawing/2014/main" id="{7F7CB441-BD7D-5363-F22C-CC57158B36EE}"/>
+                <a16:creationId xmlns:a16="http://schemas.microsoft.com/office/drawing/2014/main" id="{434EC208-90B5-B87D-DF55-6F29D026D2A2}"/>
               </a:ext>
             </a:extLst>
           </p:cNvPr>
@@ -2003,7 +2003,7 @@
           <a:bodyPr/>
           <a:lstStyle/>
           <a:p>
-            <a:fld id="{2F1ACC75-03E0-4A19-9F17-407521215C6D}" type="slidenum">
+            <a:fld id="{5F01DC34-F3B8-4406-BC4E-E0C3B18F7A0D}" type="slidenum">
               <a:rPr lang="zh-CN" altLang="en-US" smtClean="0"/>
               <a:t>‹#›</a:t>
             </a:fld>
@@ -2014,7 +2014,7 @@
     </p:spTree>
     <p:extLst>
       <p:ext uri="{BB962C8B-B14F-4D97-AF65-F5344CB8AC3E}">
-        <p14:creationId xmlns:p14="http://schemas.microsoft.com/office/powerpoint/2010/main" val="2534751022"/>
+        <p14:creationId xmlns:p14="http://schemas.microsoft.com/office/powerpoint/2010/main" val="3019459318"/>
       </p:ext>
     </p:extLst>
   </p:cSld>
@@ -2046,7 +2046,7 @@
           <p:cNvPr id="2" name="日期占位符 1">
             <a:extLst>
               <a:ext uri="{FF2B5EF4-FFF2-40B4-BE49-F238E27FC236}">
-                <a16:creationId xmlns:a16="http://schemas.microsoft.com/office/drawing/2014/main" id="{31D697D7-DD5C-50A9-85DB-4E02ED9BBFED}"/>
+                <a16:creationId xmlns:a16="http://schemas.microsoft.com/office/drawing/2014/main" id="{ECDE114D-54FF-3512-DB4A-84010BD7931A}"/>
               </a:ext>
             </a:extLst>
           </p:cNvPr>
@@ -2062,7 +2062,7 @@
           <a:bodyPr/>
           <a:lstStyle/>
           <a:p>
-            <a:fld id="{D4366D1A-5D87-4E7F-BBAD-449522AD4266}" type="datetimeFigureOut">
+            <a:fld id="{D9EFED56-6FBB-41A1-986D-BFF5425B5236}" type="datetimeFigureOut">
               <a:rPr lang="zh-CN" altLang="en-US" smtClean="0"/>
               <a:t>2024/3/10</a:t>
             </a:fld>
@@ -2075,7 +2075,7 @@
           <p:cNvPr id="3" name="页脚占位符 2">
             <a:extLst>
               <a:ext uri="{FF2B5EF4-FFF2-40B4-BE49-F238E27FC236}">
-                <a16:creationId xmlns:a16="http://schemas.microsoft.com/office/drawing/2014/main" id="{E391B11E-08A4-6C9E-254D-2AD5D6C430EE}"/>
+                <a16:creationId xmlns:a16="http://schemas.microsoft.com/office/drawing/2014/main" id="{496D3DA4-FE4E-7CAE-7A8D-CD33B6937655}"/>
               </a:ext>
             </a:extLst>
           </p:cNvPr>
@@ -2100,7 +2100,7 @@
           <p:cNvPr id="4" name="灯片编号占位符 3">
             <a:extLst>
               <a:ext uri="{FF2B5EF4-FFF2-40B4-BE49-F238E27FC236}">
-                <a16:creationId xmlns:a16="http://schemas.microsoft.com/office/drawing/2014/main" id="{D54CBECD-BBCF-07AB-6E7F-F51D5EEB47B9}"/>
+                <a16:creationId xmlns:a16="http://schemas.microsoft.com/office/drawing/2014/main" id="{7FA724BB-07DC-9D28-99CE-DB8E4A87B5EC}"/>
               </a:ext>
             </a:extLst>
           </p:cNvPr>
@@ -2116,7 +2116,7 @@
           <a:bodyPr/>
           <a:lstStyle/>
           <a:p>
-            <a:fld id="{2F1ACC75-03E0-4A19-9F17-407521215C6D}" type="slidenum">
+            <a:fld id="{5F01DC34-F3B8-4406-BC4E-E0C3B18F7A0D}" type="slidenum">
               <a:rPr lang="zh-CN" altLang="en-US" smtClean="0"/>
               <a:t>‹#›</a:t>
             </a:fld>
@@ -2127,7 +2127,7 @@
     </p:spTree>
     <p:extLst>
       <p:ext uri="{BB962C8B-B14F-4D97-AF65-F5344CB8AC3E}">
-        <p14:creationId xmlns:p14="http://schemas.microsoft.com/office/powerpoint/2010/main" val="2877322367"/>
+        <p14:creationId xmlns:p14="http://schemas.microsoft.com/office/powerpoint/2010/main" val="1547387764"/>
       </p:ext>
     </p:extLst>
   </p:cSld>
@@ -2159,7 +2159,7 @@
           <p:cNvPr id="2" name="标题 1">
             <a:extLst>
               <a:ext uri="{FF2B5EF4-FFF2-40B4-BE49-F238E27FC236}">
-                <a16:creationId xmlns:a16="http://schemas.microsoft.com/office/drawing/2014/main" id="{8629CFEC-AB14-6C71-D624-AC6878536B1A}"/>
+                <a16:creationId xmlns:a16="http://schemas.microsoft.com/office/drawing/2014/main" id="{6CEB9604-A3CD-F7DC-ABC5-7CD24F6DCC38}"/>
               </a:ext>
             </a:extLst>
           </p:cNvPr>
@@ -2196,7 +2196,7 @@
           <p:cNvPr id="3" name="内容占位符 2">
             <a:extLst>
               <a:ext uri="{FF2B5EF4-FFF2-40B4-BE49-F238E27FC236}">
-                <a16:creationId xmlns:a16="http://schemas.microsoft.com/office/drawing/2014/main" id="{602AFDDA-8679-F366-A362-F7DDFE2518AE}"/>
+                <a16:creationId xmlns:a16="http://schemas.microsoft.com/office/drawing/2014/main" id="{4CD174B2-E677-C674-DC89-E526DA6D9732}"/>
               </a:ext>
             </a:extLst>
           </p:cNvPr>
@@ -2286,7 +2286,7 @@
           <p:cNvPr id="4" name="文本占位符 3">
             <a:extLst>
               <a:ext uri="{FF2B5EF4-FFF2-40B4-BE49-F238E27FC236}">
-                <a16:creationId xmlns:a16="http://schemas.microsoft.com/office/drawing/2014/main" id="{BDF46234-8E92-ED9E-10C6-B7A6917866DD}"/>
+                <a16:creationId xmlns:a16="http://schemas.microsoft.com/office/drawing/2014/main" id="{A6613B9A-0F8B-A1C8-96DF-50E8D4905BE0}"/>
               </a:ext>
             </a:extLst>
           </p:cNvPr>
@@ -2357,7 +2357,7 @@
           <p:cNvPr id="5" name="日期占位符 4">
             <a:extLst>
               <a:ext uri="{FF2B5EF4-FFF2-40B4-BE49-F238E27FC236}">
-                <a16:creationId xmlns:a16="http://schemas.microsoft.com/office/drawing/2014/main" id="{DF51DE84-9B44-0AC5-69CA-876F85652C14}"/>
+                <a16:creationId xmlns:a16="http://schemas.microsoft.com/office/drawing/2014/main" id="{FFBB087A-505F-A24B-575A-998AE5DBD698}"/>
               </a:ext>
             </a:extLst>
           </p:cNvPr>
@@ -2373,7 +2373,7 @@
           <a:bodyPr/>
           <a:lstStyle/>
           <a:p>
-            <a:fld id="{D4366D1A-5D87-4E7F-BBAD-449522AD4266}" type="datetimeFigureOut">
+            <a:fld id="{D9EFED56-6FBB-41A1-986D-BFF5425B5236}" type="datetimeFigureOut">
               <a:rPr lang="zh-CN" altLang="en-US" smtClean="0"/>
               <a:t>2024/3/10</a:t>
             </a:fld>
@@ -2386,7 +2386,7 @@
           <p:cNvPr id="6" name="页脚占位符 5">
             <a:extLst>
               <a:ext uri="{FF2B5EF4-FFF2-40B4-BE49-F238E27FC236}">
-                <a16:creationId xmlns:a16="http://schemas.microsoft.com/office/drawing/2014/main" id="{412D1A2E-7F11-5A11-026E-3DEFFDFEC6F3}"/>
+                <a16:creationId xmlns:a16="http://schemas.microsoft.com/office/drawing/2014/main" id="{ECBABEF0-FB94-F09D-E3DB-059D45C85728}"/>
               </a:ext>
             </a:extLst>
           </p:cNvPr>
@@ -2411,7 +2411,7 @@
           <p:cNvPr id="7" name="灯片编号占位符 6">
             <a:extLst>
               <a:ext uri="{FF2B5EF4-FFF2-40B4-BE49-F238E27FC236}">
-                <a16:creationId xmlns:a16="http://schemas.microsoft.com/office/drawing/2014/main" id="{7016D978-73B8-5E59-71EA-07D3B1B09506}"/>
+                <a16:creationId xmlns:a16="http://schemas.microsoft.com/office/drawing/2014/main" id="{20BC7FCB-7783-936D-BC3B-B96D32278259}"/>
               </a:ext>
             </a:extLst>
           </p:cNvPr>
@@ -2427,7 +2427,7 @@
           <a:bodyPr/>
           <a:lstStyle/>
           <a:p>
-            <a:fld id="{2F1ACC75-03E0-4A19-9F17-407521215C6D}" type="slidenum">
+            <a:fld id="{5F01DC34-F3B8-4406-BC4E-E0C3B18F7A0D}" type="slidenum">
               <a:rPr lang="zh-CN" altLang="en-US" smtClean="0"/>
               <a:t>‹#›</a:t>
             </a:fld>
@@ -2438,7 +2438,7 @@
     </p:spTree>
     <p:extLst>
       <p:ext uri="{BB962C8B-B14F-4D97-AF65-F5344CB8AC3E}">
-        <p14:creationId xmlns:p14="http://schemas.microsoft.com/office/powerpoint/2010/main" val="2759230576"/>
+        <p14:creationId xmlns:p14="http://schemas.microsoft.com/office/powerpoint/2010/main" val="2013151207"/>
       </p:ext>
     </p:extLst>
   </p:cSld>
@@ -2470,7 +2470,7 @@
           <p:cNvPr id="2" name="标题 1">
             <a:extLst>
               <a:ext uri="{FF2B5EF4-FFF2-40B4-BE49-F238E27FC236}">
-                <a16:creationId xmlns:a16="http://schemas.microsoft.com/office/drawing/2014/main" id="{7C57CC64-974A-7C7B-D4C9-5636B6539657}"/>
+                <a16:creationId xmlns:a16="http://schemas.microsoft.com/office/drawing/2014/main" id="{D1A0138F-6276-1351-4DDA-4E772691D242}"/>
               </a:ext>
             </a:extLst>
           </p:cNvPr>
@@ -2507,7 +2507,7 @@
           <p:cNvPr id="3" name="图片占位符 2">
             <a:extLst>
               <a:ext uri="{FF2B5EF4-FFF2-40B4-BE49-F238E27FC236}">
-                <a16:creationId xmlns:a16="http://schemas.microsoft.com/office/drawing/2014/main" id="{A05F164C-2AE1-5957-2636-8263D5ADE614}"/>
+                <a16:creationId xmlns:a16="http://schemas.microsoft.com/office/drawing/2014/main" id="{20E0B70E-1A7D-9171-DB7F-5430EAB4520C}"/>
               </a:ext>
             </a:extLst>
           </p:cNvPr>
@@ -2574,7 +2574,7 @@
           <p:cNvPr id="4" name="文本占位符 3">
             <a:extLst>
               <a:ext uri="{FF2B5EF4-FFF2-40B4-BE49-F238E27FC236}">
-                <a16:creationId xmlns:a16="http://schemas.microsoft.com/office/drawing/2014/main" id="{EEF1B264-8255-C206-CDCA-F59C9683E3FE}"/>
+                <a16:creationId xmlns:a16="http://schemas.microsoft.com/office/drawing/2014/main" id="{D5A311D9-FD51-41A1-8378-9CC5E7137A3C}"/>
               </a:ext>
             </a:extLst>
           </p:cNvPr>
@@ -2645,7 +2645,7 @@
           <p:cNvPr id="5" name="日期占位符 4">
             <a:extLst>
               <a:ext uri="{FF2B5EF4-FFF2-40B4-BE49-F238E27FC236}">
-                <a16:creationId xmlns:a16="http://schemas.microsoft.com/office/drawing/2014/main" id="{16E5712F-E29F-8F1B-36B1-41A81B86232B}"/>
+                <a16:creationId xmlns:a16="http://schemas.microsoft.com/office/drawing/2014/main" id="{72CAC17C-8356-0E3F-396C-53CCA1580B59}"/>
               </a:ext>
             </a:extLst>
           </p:cNvPr>
@@ -2661,7 +2661,7 @@
           <a:bodyPr/>
           <a:lstStyle/>
           <a:p>
-            <a:fld id="{D4366D1A-5D87-4E7F-BBAD-449522AD4266}" type="datetimeFigureOut">
+            <a:fld id="{D9EFED56-6FBB-41A1-986D-BFF5425B5236}" type="datetimeFigureOut">
               <a:rPr lang="zh-CN" altLang="en-US" smtClean="0"/>
               <a:t>2024/3/10</a:t>
             </a:fld>
@@ -2674,7 +2674,7 @@
           <p:cNvPr id="6" name="页脚占位符 5">
             <a:extLst>
               <a:ext uri="{FF2B5EF4-FFF2-40B4-BE49-F238E27FC236}">
-                <a16:creationId xmlns:a16="http://schemas.microsoft.com/office/drawing/2014/main" id="{3EDA735F-B83E-E357-EF5D-FA4C46E97A8B}"/>
+                <a16:creationId xmlns:a16="http://schemas.microsoft.com/office/drawing/2014/main" id="{2BB3117E-5623-97AC-7087-9E456244D460}"/>
               </a:ext>
             </a:extLst>
           </p:cNvPr>
@@ -2699,7 +2699,7 @@
           <p:cNvPr id="7" name="灯片编号占位符 6">
             <a:extLst>
               <a:ext uri="{FF2B5EF4-FFF2-40B4-BE49-F238E27FC236}">
-                <a16:creationId xmlns:a16="http://schemas.microsoft.com/office/drawing/2014/main" id="{4F6E6C29-6043-4357-7287-99E70351199A}"/>
+                <a16:creationId xmlns:a16="http://schemas.microsoft.com/office/drawing/2014/main" id="{65BF6914-2601-60F0-975A-DB9B4336AA18}"/>
               </a:ext>
             </a:extLst>
           </p:cNvPr>
@@ -2715,7 +2715,7 @@
           <a:bodyPr/>
           <a:lstStyle/>
           <a:p>
-            <a:fld id="{2F1ACC75-03E0-4A19-9F17-407521215C6D}" type="slidenum">
+            <a:fld id="{5F01DC34-F3B8-4406-BC4E-E0C3B18F7A0D}" type="slidenum">
               <a:rPr lang="zh-CN" altLang="en-US" smtClean="0"/>
               <a:t>‹#›</a:t>
             </a:fld>
@@ -2726,7 +2726,7 @@
     </p:spTree>
     <p:extLst>
       <p:ext uri="{BB962C8B-B14F-4D97-AF65-F5344CB8AC3E}">
-        <p14:creationId xmlns:p14="http://schemas.microsoft.com/office/powerpoint/2010/main" val="1028524749"/>
+        <p14:creationId xmlns:p14="http://schemas.microsoft.com/office/powerpoint/2010/main" val="3637038680"/>
       </p:ext>
     </p:extLst>
   </p:cSld>
@@ -2763,7 +2763,7 @@
           <p:cNvPr id="2" name="标题占位符 1">
             <a:extLst>
               <a:ext uri="{FF2B5EF4-FFF2-40B4-BE49-F238E27FC236}">
-                <a16:creationId xmlns:a16="http://schemas.microsoft.com/office/drawing/2014/main" id="{030FA2C6-AB6E-2188-B72C-BEEDF29C3E54}"/>
+                <a16:creationId xmlns:a16="http://schemas.microsoft.com/office/drawing/2014/main" id="{22BBE298-C6B4-6C55-265E-B335426F6168}"/>
               </a:ext>
             </a:extLst>
           </p:cNvPr>
@@ -2801,7 +2801,7 @@
           <p:cNvPr id="3" name="文本占位符 2">
             <a:extLst>
               <a:ext uri="{FF2B5EF4-FFF2-40B4-BE49-F238E27FC236}">
-                <a16:creationId xmlns:a16="http://schemas.microsoft.com/office/drawing/2014/main" id="{30E19802-18B5-F02E-755B-04E626ABC897}"/>
+                <a16:creationId xmlns:a16="http://schemas.microsoft.com/office/drawing/2014/main" id="{92C16A51-539D-6240-23C5-EBFD62D125C8}"/>
               </a:ext>
             </a:extLst>
           </p:cNvPr>
@@ -2868,7 +2868,7 @@
           <p:cNvPr id="4" name="日期占位符 3">
             <a:extLst>
               <a:ext uri="{FF2B5EF4-FFF2-40B4-BE49-F238E27FC236}">
-                <a16:creationId xmlns:a16="http://schemas.microsoft.com/office/drawing/2014/main" id="{0B540D43-84F1-09F8-63E1-C7C14C06FD2D}"/>
+                <a16:creationId xmlns:a16="http://schemas.microsoft.com/office/drawing/2014/main" id="{D36687D3-BC36-5060-8051-C59C67A66B2C}"/>
               </a:ext>
             </a:extLst>
           </p:cNvPr>
@@ -2902,7 +2902,7 @@
             </a:lvl1pPr>
           </a:lstStyle>
           <a:p>
-            <a:fld id="{D4366D1A-5D87-4E7F-BBAD-449522AD4266}" type="datetimeFigureOut">
+            <a:fld id="{D9EFED56-6FBB-41A1-986D-BFF5425B5236}" type="datetimeFigureOut">
               <a:rPr lang="zh-CN" altLang="en-US" smtClean="0"/>
               <a:t>2024/3/10</a:t>
             </a:fld>
@@ -2915,7 +2915,7 @@
           <p:cNvPr id="5" name="页脚占位符 4">
             <a:extLst>
               <a:ext uri="{FF2B5EF4-FFF2-40B4-BE49-F238E27FC236}">
-                <a16:creationId xmlns:a16="http://schemas.microsoft.com/office/drawing/2014/main" id="{5B60FC47-99D6-6AD8-EDE3-08D5879B69A2}"/>
+                <a16:creationId xmlns:a16="http://schemas.microsoft.com/office/drawing/2014/main" id="{207B9EDB-F442-E536-BA2A-BBFF588D869D}"/>
               </a:ext>
             </a:extLst>
           </p:cNvPr>
@@ -2958,7 +2958,7 @@
           <p:cNvPr id="6" name="灯片编号占位符 5">
             <a:extLst>
               <a:ext uri="{FF2B5EF4-FFF2-40B4-BE49-F238E27FC236}">
-                <a16:creationId xmlns:a16="http://schemas.microsoft.com/office/drawing/2014/main" id="{02699465-B362-0149-CC62-AA8889EBBA98}"/>
+                <a16:creationId xmlns:a16="http://schemas.microsoft.com/office/drawing/2014/main" id="{87FB99A0-546E-B354-4723-43D87B96BFEB}"/>
               </a:ext>
             </a:extLst>
           </p:cNvPr>
@@ -2992,7 +2992,7 @@
             </a:lvl1pPr>
           </a:lstStyle>
           <a:p>
-            <a:fld id="{2F1ACC75-03E0-4A19-9F17-407521215C6D}" type="slidenum">
+            <a:fld id="{5F01DC34-F3B8-4406-BC4E-E0C3B18F7A0D}" type="slidenum">
               <a:rPr lang="zh-CN" altLang="en-US" smtClean="0"/>
               <a:t>‹#›</a:t>
             </a:fld>
@@ -3003,7 +3003,7 @@
     </p:spTree>
     <p:extLst>
       <p:ext uri="{BB962C8B-B14F-4D97-AF65-F5344CB8AC3E}">
-        <p14:creationId xmlns:p14="http://schemas.microsoft.com/office/powerpoint/2010/main" val="2913997520"/>
+        <p14:creationId xmlns:p14="http://schemas.microsoft.com/office/powerpoint/2010/main" val="4270992977"/>
       </p:ext>
     </p:extLst>
   </p:cSld>
